--- a/assets/img/math/algorithm/line_intersection/line_intersection.pptx
+++ b/assets/img/math/algorithm/line_intersection/line_intersection.pptx
@@ -105,6 +105,11 @@
       </a:defRPr>
     </a:lvl9pPr>
   </p:defaultTextStyle>
+  <p:extLst>
+    <p:ext uri="{EFAFB233-063F-42B5-8137-9DF3F51BA10A}">
+      <p15:sldGuideLst xmlns:p15="http://schemas.microsoft.com/office/powerpoint/2012/main"/>
+    </p:ext>
+  </p:extLst>
 </p:presentation>
 </file>
 
@@ -3250,8 +3255,8 @@
             </a:fontRef>
           </p:style>
         </p:cxnSp>
-        <mc:AlternateContent xmlns:mc="http://schemas.openxmlformats.org/markup-compatibility/2006">
-          <mc:Choice xmlns:a14="http://schemas.microsoft.com/office/drawing/2010/main" Requires="a14">
+        <mc:AlternateContent xmlns:mc="http://schemas.openxmlformats.org/markup-compatibility/2006" xmlns:a14="http://schemas.microsoft.com/office/drawing/2010/main">
+          <mc:Choice Requires="a14">
             <p:sp>
               <p:nvSpPr>
                 <p:cNvPr id="7" name="TextBox 6">
@@ -3280,6 +3285,7 @@
                 </a:bodyPr>
                 <a:lstStyle/>
                 <a:p>
+                  <a:pPr/>
                   <a14:m>
                     <m:oMathPara xmlns:m="http://schemas.openxmlformats.org/officeDocument/2006/math">
                       <m:oMathParaPr>
@@ -3319,7 +3325,7 @@
               </p:txBody>
             </p:sp>
           </mc:Choice>
-          <mc:Fallback>
+          <mc:Fallback xmlns="">
             <p:sp>
               <p:nvSpPr>
                 <p:cNvPr id="7" name="TextBox 6">
@@ -3364,8 +3370,8 @@
             </p:sp>
           </mc:Fallback>
         </mc:AlternateContent>
-        <mc:AlternateContent xmlns:mc="http://schemas.openxmlformats.org/markup-compatibility/2006">
-          <mc:Choice xmlns:a14="http://schemas.microsoft.com/office/drawing/2010/main" Requires="a14">
+        <mc:AlternateContent xmlns:mc="http://schemas.openxmlformats.org/markup-compatibility/2006" xmlns:a14="http://schemas.microsoft.com/office/drawing/2010/main">
+          <mc:Choice Requires="a14">
             <p:sp>
               <p:nvSpPr>
                 <p:cNvPr id="8" name="TextBox 7">
@@ -3394,6 +3400,7 @@
                 </a:bodyPr>
                 <a:lstStyle/>
                 <a:p>
+                  <a:pPr/>
                   <a14:m>
                     <m:oMathPara xmlns:m="http://schemas.openxmlformats.org/officeDocument/2006/math">
                       <m:oMathParaPr>
@@ -3433,7 +3440,7 @@
               </p:txBody>
             </p:sp>
           </mc:Choice>
-          <mc:Fallback>
+          <mc:Fallback xmlns="">
             <p:sp>
               <p:nvSpPr>
                 <p:cNvPr id="8" name="TextBox 7">
@@ -3478,8 +3485,8 @@
             </p:sp>
           </mc:Fallback>
         </mc:AlternateContent>
-        <mc:AlternateContent xmlns:mc="http://schemas.openxmlformats.org/markup-compatibility/2006">
-          <mc:Choice xmlns:a14="http://schemas.microsoft.com/office/drawing/2010/main" Requires="a14">
+        <mc:AlternateContent xmlns:mc="http://schemas.openxmlformats.org/markup-compatibility/2006" xmlns:a14="http://schemas.microsoft.com/office/drawing/2010/main">
+          <mc:Choice Requires="a14">
             <p:sp>
               <p:nvSpPr>
                 <p:cNvPr id="9" name="TextBox 8">
@@ -3508,6 +3515,7 @@
                 </a:bodyPr>
                 <a:lstStyle/>
                 <a:p>
+                  <a:pPr/>
                   <a14:m>
                     <m:oMathPara xmlns:m="http://schemas.openxmlformats.org/officeDocument/2006/math">
                       <m:oMathParaPr>
@@ -3547,7 +3555,7 @@
               </p:txBody>
             </p:sp>
           </mc:Choice>
-          <mc:Fallback>
+          <mc:Fallback xmlns="">
             <p:sp>
               <p:nvSpPr>
                 <p:cNvPr id="9" name="TextBox 8">
@@ -3592,8 +3600,8 @@
             </p:sp>
           </mc:Fallback>
         </mc:AlternateContent>
-        <mc:AlternateContent xmlns:mc="http://schemas.openxmlformats.org/markup-compatibility/2006">
-          <mc:Choice xmlns:a14="http://schemas.microsoft.com/office/drawing/2010/main" Requires="a14">
+        <mc:AlternateContent xmlns:mc="http://schemas.openxmlformats.org/markup-compatibility/2006" xmlns:a14="http://schemas.microsoft.com/office/drawing/2010/main">
+          <mc:Choice Requires="a14">
             <p:sp>
               <p:nvSpPr>
                 <p:cNvPr id="10" name="TextBox 9">
@@ -3622,6 +3630,7 @@
                 </a:bodyPr>
                 <a:lstStyle/>
                 <a:p>
+                  <a:pPr/>
                   <a14:m>
                     <m:oMathPara xmlns:m="http://schemas.openxmlformats.org/officeDocument/2006/math">
                       <m:oMathParaPr>
@@ -3661,7 +3670,7 @@
               </p:txBody>
             </p:sp>
           </mc:Choice>
-          <mc:Fallback>
+          <mc:Fallback xmlns="">
             <p:sp>
               <p:nvSpPr>
                 <p:cNvPr id="10" name="TextBox 9">
@@ -3836,8 +3845,8 @@
             </a:fontRef>
           </p:style>
         </p:cxnSp>
-        <mc:AlternateContent xmlns:mc="http://schemas.openxmlformats.org/markup-compatibility/2006">
-          <mc:Choice xmlns:a14="http://schemas.microsoft.com/office/drawing/2010/main" Requires="a14">
+        <mc:AlternateContent xmlns:mc="http://schemas.openxmlformats.org/markup-compatibility/2006" xmlns:a14="http://schemas.microsoft.com/office/drawing/2010/main">
+          <mc:Choice Requires="a14">
             <p:sp>
               <p:nvSpPr>
                 <p:cNvPr id="14" name="TextBox 13">
@@ -3866,6 +3875,7 @@
                 </a:bodyPr>
                 <a:lstStyle/>
                 <a:p>
+                  <a:pPr/>
                   <a14:m>
                     <m:oMathPara xmlns:m="http://schemas.openxmlformats.org/officeDocument/2006/math">
                       <m:oMathParaPr>
@@ -3918,7 +3928,7 @@
               </p:txBody>
             </p:sp>
           </mc:Choice>
-          <mc:Fallback>
+          <mc:Fallback xmlns="">
             <p:sp>
               <p:nvSpPr>
                 <p:cNvPr id="14" name="TextBox 13">
@@ -3963,8 +3973,8 @@
             </p:sp>
           </mc:Fallback>
         </mc:AlternateContent>
-        <mc:AlternateContent xmlns:mc="http://schemas.openxmlformats.org/markup-compatibility/2006">
-          <mc:Choice xmlns:a14="http://schemas.microsoft.com/office/drawing/2010/main" Requires="a14">
+        <mc:AlternateContent xmlns:mc="http://schemas.openxmlformats.org/markup-compatibility/2006" xmlns:a14="http://schemas.microsoft.com/office/drawing/2010/main">
+          <mc:Choice Requires="a14">
             <p:sp>
               <p:nvSpPr>
                 <p:cNvPr id="15" name="TextBox 14">
@@ -3993,6 +4003,7 @@
                 </a:bodyPr>
                 <a:lstStyle/>
                 <a:p>
+                  <a:pPr/>
                   <a14:m>
                     <m:oMathPara xmlns:m="http://schemas.openxmlformats.org/officeDocument/2006/math">
                       <m:oMathParaPr>
@@ -4045,7 +4056,7 @@
               </p:txBody>
             </p:sp>
           </mc:Choice>
-          <mc:Fallback>
+          <mc:Fallback xmlns="">
             <p:sp>
               <p:nvSpPr>
                 <p:cNvPr id="15" name="TextBox 14">
@@ -4090,8 +4101,8 @@
             </p:sp>
           </mc:Fallback>
         </mc:AlternateContent>
-        <mc:AlternateContent xmlns:mc="http://schemas.openxmlformats.org/markup-compatibility/2006">
-          <mc:Choice xmlns:a14="http://schemas.microsoft.com/office/drawing/2010/main" Requires="a14">
+        <mc:AlternateContent xmlns:mc="http://schemas.openxmlformats.org/markup-compatibility/2006" xmlns:a14="http://schemas.microsoft.com/office/drawing/2010/main">
+          <mc:Choice Requires="a14">
             <p:sp>
               <p:nvSpPr>
                 <p:cNvPr id="16" name="TextBox 15">
@@ -4120,6 +4131,7 @@
                 </a:bodyPr>
                 <a:lstStyle/>
                 <a:p>
+                  <a:pPr/>
                   <a14:m>
                     <m:oMathPara xmlns:m="http://schemas.openxmlformats.org/officeDocument/2006/math">
                       <m:oMathParaPr>
@@ -4172,7 +4184,7 @@
               </p:txBody>
             </p:sp>
           </mc:Choice>
-          <mc:Fallback>
+          <mc:Fallback xmlns="">
             <p:sp>
               <p:nvSpPr>
                 <p:cNvPr id="16" name="TextBox 15">
@@ -4314,8 +4326,8 @@
             </a:fontRef>
           </p:style>
         </p:cxnSp>
-        <mc:AlternateContent xmlns:mc="http://schemas.openxmlformats.org/markup-compatibility/2006">
-          <mc:Choice xmlns:a14="http://schemas.microsoft.com/office/drawing/2010/main" Requires="a14">
+        <mc:AlternateContent xmlns:mc="http://schemas.openxmlformats.org/markup-compatibility/2006" xmlns:a14="http://schemas.microsoft.com/office/drawing/2010/main">
+          <mc:Choice Requires="a14">
             <p:sp>
               <p:nvSpPr>
                 <p:cNvPr id="20" name="TextBox 19">
@@ -4344,6 +4356,7 @@
                 </a:bodyPr>
                 <a:lstStyle/>
                 <a:p>
+                  <a:pPr/>
                   <a14:m>
                     <m:oMathPara xmlns:m="http://schemas.openxmlformats.org/officeDocument/2006/math">
                       <m:oMathParaPr>
@@ -4383,7 +4396,7 @@
               </p:txBody>
             </p:sp>
           </mc:Choice>
-          <mc:Fallback>
+          <mc:Fallback xmlns="">
             <p:sp>
               <p:nvSpPr>
                 <p:cNvPr id="20" name="TextBox 19">
@@ -4428,8 +4441,8 @@
             </p:sp>
           </mc:Fallback>
         </mc:AlternateContent>
-        <mc:AlternateContent xmlns:mc="http://schemas.openxmlformats.org/markup-compatibility/2006">
-          <mc:Choice xmlns:a14="http://schemas.microsoft.com/office/drawing/2010/main" Requires="a14">
+        <mc:AlternateContent xmlns:mc="http://schemas.openxmlformats.org/markup-compatibility/2006" xmlns:a14="http://schemas.microsoft.com/office/drawing/2010/main">
+          <mc:Choice Requires="a14">
             <p:sp>
               <p:nvSpPr>
                 <p:cNvPr id="21" name="TextBox 20">
@@ -4458,6 +4471,7 @@
                 </a:bodyPr>
                 <a:lstStyle/>
                 <a:p>
+                  <a:pPr/>
                   <a14:m>
                     <m:oMathPara xmlns:m="http://schemas.openxmlformats.org/officeDocument/2006/math">
                       <m:oMathParaPr>
@@ -4497,7 +4511,7 @@
               </p:txBody>
             </p:sp>
           </mc:Choice>
-          <mc:Fallback>
+          <mc:Fallback xmlns="">
             <p:sp>
               <p:nvSpPr>
                 <p:cNvPr id="21" name="TextBox 20">
@@ -4542,8 +4556,8 @@
             </p:sp>
           </mc:Fallback>
         </mc:AlternateContent>
-        <mc:AlternateContent xmlns:mc="http://schemas.openxmlformats.org/markup-compatibility/2006">
-          <mc:Choice xmlns:a14="http://schemas.microsoft.com/office/drawing/2010/main" Requires="a14">
+        <mc:AlternateContent xmlns:mc="http://schemas.openxmlformats.org/markup-compatibility/2006" xmlns:a14="http://schemas.microsoft.com/office/drawing/2010/main">
+          <mc:Choice Requires="a14">
             <p:sp>
               <p:nvSpPr>
                 <p:cNvPr id="22" name="TextBox 21">
@@ -4572,6 +4586,7 @@
                 </a:bodyPr>
                 <a:lstStyle/>
                 <a:p>
+                  <a:pPr/>
                   <a14:m>
                     <m:oMathPara xmlns:m="http://schemas.openxmlformats.org/officeDocument/2006/math">
                       <m:oMathParaPr>
@@ -4611,7 +4626,7 @@
               </p:txBody>
             </p:sp>
           </mc:Choice>
-          <mc:Fallback>
+          <mc:Fallback xmlns="">
             <p:sp>
               <p:nvSpPr>
                 <p:cNvPr id="22" name="TextBox 21">
@@ -4656,8 +4671,8 @@
             </p:sp>
           </mc:Fallback>
         </mc:AlternateContent>
-        <mc:AlternateContent xmlns:mc="http://schemas.openxmlformats.org/markup-compatibility/2006">
-          <mc:Choice xmlns:a14="http://schemas.microsoft.com/office/drawing/2010/main" Requires="a14">
+        <mc:AlternateContent xmlns:mc="http://schemas.openxmlformats.org/markup-compatibility/2006" xmlns:a14="http://schemas.microsoft.com/office/drawing/2010/main">
+          <mc:Choice Requires="a14">
             <p:sp>
               <p:nvSpPr>
                 <p:cNvPr id="23" name="TextBox 22">
@@ -4686,6 +4701,7 @@
                 </a:bodyPr>
                 <a:lstStyle/>
                 <a:p>
+                  <a:pPr/>
                   <a14:m>
                     <m:oMathPara xmlns:m="http://schemas.openxmlformats.org/officeDocument/2006/math">
                       <m:oMathParaPr>
@@ -4725,7 +4741,7 @@
               </p:txBody>
             </p:sp>
           </mc:Choice>
-          <mc:Fallback>
+          <mc:Fallback xmlns="">
             <p:sp>
               <p:nvSpPr>
                 <p:cNvPr id="23" name="TextBox 22">
@@ -4900,8 +4916,8 @@
             </a:fontRef>
           </p:style>
         </p:cxnSp>
-        <mc:AlternateContent xmlns:mc="http://schemas.openxmlformats.org/markup-compatibility/2006">
-          <mc:Choice xmlns:a14="http://schemas.microsoft.com/office/drawing/2010/main" Requires="a14">
+        <mc:AlternateContent xmlns:mc="http://schemas.openxmlformats.org/markup-compatibility/2006" xmlns:a14="http://schemas.microsoft.com/office/drawing/2010/main">
+          <mc:Choice Requires="a14">
             <p:sp>
               <p:nvSpPr>
                 <p:cNvPr id="27" name="TextBox 26">
@@ -4930,6 +4946,7 @@
                 </a:bodyPr>
                 <a:lstStyle/>
                 <a:p>
+                  <a:pPr/>
                   <a14:m>
                     <m:oMathPara xmlns:m="http://schemas.openxmlformats.org/officeDocument/2006/math">
                       <m:oMathParaPr>
@@ -4982,7 +4999,7 @@
               </p:txBody>
             </p:sp>
           </mc:Choice>
-          <mc:Fallback>
+          <mc:Fallback xmlns="">
             <p:sp>
               <p:nvSpPr>
                 <p:cNvPr id="27" name="TextBox 26">
@@ -5027,8 +5044,8 @@
             </p:sp>
           </mc:Fallback>
         </mc:AlternateContent>
-        <mc:AlternateContent xmlns:mc="http://schemas.openxmlformats.org/markup-compatibility/2006">
-          <mc:Choice xmlns:a14="http://schemas.microsoft.com/office/drawing/2010/main" Requires="a14">
+        <mc:AlternateContent xmlns:mc="http://schemas.openxmlformats.org/markup-compatibility/2006" xmlns:a14="http://schemas.microsoft.com/office/drawing/2010/main">
+          <mc:Choice Requires="a14">
             <p:sp>
               <p:nvSpPr>
                 <p:cNvPr id="28" name="TextBox 27">
@@ -5057,6 +5074,7 @@
                 </a:bodyPr>
                 <a:lstStyle/>
                 <a:p>
+                  <a:pPr/>
                   <a14:m>
                     <m:oMathPara xmlns:m="http://schemas.openxmlformats.org/officeDocument/2006/math">
                       <m:oMathParaPr>
@@ -5109,7 +5127,7 @@
               </p:txBody>
             </p:sp>
           </mc:Choice>
-          <mc:Fallback>
+          <mc:Fallback xmlns="">
             <p:sp>
               <p:nvSpPr>
                 <p:cNvPr id="28" name="TextBox 27">
@@ -5154,8 +5172,8 @@
             </p:sp>
           </mc:Fallback>
         </mc:AlternateContent>
-        <mc:AlternateContent xmlns:mc="http://schemas.openxmlformats.org/markup-compatibility/2006">
-          <mc:Choice xmlns:a14="http://schemas.microsoft.com/office/drawing/2010/main" Requires="a14">
+        <mc:AlternateContent xmlns:mc="http://schemas.openxmlformats.org/markup-compatibility/2006" xmlns:a14="http://schemas.microsoft.com/office/drawing/2010/main">
+          <mc:Choice Requires="a14">
             <p:sp>
               <p:nvSpPr>
                 <p:cNvPr id="29" name="TextBox 28">
@@ -5184,6 +5202,7 @@
                 </a:bodyPr>
                 <a:lstStyle/>
                 <a:p>
+                  <a:pPr/>
                   <a14:m>
                     <m:oMathPara xmlns:m="http://schemas.openxmlformats.org/officeDocument/2006/math">
                       <m:oMathParaPr>
@@ -5236,7 +5255,7 @@
               </p:txBody>
             </p:sp>
           </mc:Choice>
-          <mc:Fallback>
+          <mc:Fallback xmlns="">
             <p:sp>
               <p:nvSpPr>
                 <p:cNvPr id="29" name="TextBox 28">
@@ -5378,8 +5397,8 @@
             </a:fontRef>
           </p:style>
         </p:cxnSp>
-        <mc:AlternateContent xmlns:mc="http://schemas.openxmlformats.org/markup-compatibility/2006">
-          <mc:Choice xmlns:a14="http://schemas.microsoft.com/office/drawing/2010/main" Requires="a14">
+        <mc:AlternateContent xmlns:mc="http://schemas.openxmlformats.org/markup-compatibility/2006" xmlns:a14="http://schemas.microsoft.com/office/drawing/2010/main">
+          <mc:Choice Requires="a14">
             <p:sp>
               <p:nvSpPr>
                 <p:cNvPr id="33" name="TextBox 32">
@@ -5408,6 +5427,7 @@
                 </a:bodyPr>
                 <a:lstStyle/>
                 <a:p>
+                  <a:pPr/>
                   <a14:m>
                     <m:oMathPara xmlns:m="http://schemas.openxmlformats.org/officeDocument/2006/math">
                       <m:oMathParaPr>
@@ -5447,7 +5467,7 @@
               </p:txBody>
             </p:sp>
           </mc:Choice>
-          <mc:Fallback>
+          <mc:Fallback xmlns="">
             <p:sp>
               <p:nvSpPr>
                 <p:cNvPr id="33" name="TextBox 32">
@@ -5492,8 +5512,8 @@
             </p:sp>
           </mc:Fallback>
         </mc:AlternateContent>
-        <mc:AlternateContent xmlns:mc="http://schemas.openxmlformats.org/markup-compatibility/2006">
-          <mc:Choice xmlns:a14="http://schemas.microsoft.com/office/drawing/2010/main" Requires="a14">
+        <mc:AlternateContent xmlns:mc="http://schemas.openxmlformats.org/markup-compatibility/2006" xmlns:a14="http://schemas.microsoft.com/office/drawing/2010/main">
+          <mc:Choice Requires="a14">
             <p:sp>
               <p:nvSpPr>
                 <p:cNvPr id="34" name="TextBox 33">
@@ -5522,6 +5542,7 @@
                 </a:bodyPr>
                 <a:lstStyle/>
                 <a:p>
+                  <a:pPr/>
                   <a14:m>
                     <m:oMathPara xmlns:m="http://schemas.openxmlformats.org/officeDocument/2006/math">
                       <m:oMathParaPr>
@@ -5561,7 +5582,7 @@
               </p:txBody>
             </p:sp>
           </mc:Choice>
-          <mc:Fallback>
+          <mc:Fallback xmlns="">
             <p:sp>
               <p:nvSpPr>
                 <p:cNvPr id="34" name="TextBox 33">
@@ -5606,8 +5627,8 @@
             </p:sp>
           </mc:Fallback>
         </mc:AlternateContent>
-        <mc:AlternateContent xmlns:mc="http://schemas.openxmlformats.org/markup-compatibility/2006">
-          <mc:Choice xmlns:a14="http://schemas.microsoft.com/office/drawing/2010/main" Requires="a14">
+        <mc:AlternateContent xmlns:mc="http://schemas.openxmlformats.org/markup-compatibility/2006" xmlns:a14="http://schemas.microsoft.com/office/drawing/2010/main">
+          <mc:Choice Requires="a14">
             <p:sp>
               <p:nvSpPr>
                 <p:cNvPr id="35" name="TextBox 34">
@@ -5636,6 +5657,7 @@
                 </a:bodyPr>
                 <a:lstStyle/>
                 <a:p>
+                  <a:pPr/>
                   <a14:m>
                     <m:oMathPara xmlns:m="http://schemas.openxmlformats.org/officeDocument/2006/math">
                       <m:oMathParaPr>
@@ -5675,7 +5697,7 @@
               </p:txBody>
             </p:sp>
           </mc:Choice>
-          <mc:Fallback>
+          <mc:Fallback xmlns="">
             <p:sp>
               <p:nvSpPr>
                 <p:cNvPr id="35" name="TextBox 34">
@@ -5720,8 +5742,8 @@
             </p:sp>
           </mc:Fallback>
         </mc:AlternateContent>
-        <mc:AlternateContent xmlns:mc="http://schemas.openxmlformats.org/markup-compatibility/2006">
-          <mc:Choice xmlns:a14="http://schemas.microsoft.com/office/drawing/2010/main" Requires="a14">
+        <mc:AlternateContent xmlns:mc="http://schemas.openxmlformats.org/markup-compatibility/2006" xmlns:a14="http://schemas.microsoft.com/office/drawing/2010/main">
+          <mc:Choice Requires="a14">
             <p:sp>
               <p:nvSpPr>
                 <p:cNvPr id="36" name="TextBox 35">
@@ -5750,6 +5772,7 @@
                 </a:bodyPr>
                 <a:lstStyle/>
                 <a:p>
+                  <a:pPr/>
                   <a14:m>
                     <m:oMathPara xmlns:m="http://schemas.openxmlformats.org/officeDocument/2006/math">
                       <m:oMathParaPr>
@@ -5789,7 +5812,7 @@
               </p:txBody>
             </p:sp>
           </mc:Choice>
-          <mc:Fallback>
+          <mc:Fallback xmlns="">
             <p:sp>
               <p:nvSpPr>
                 <p:cNvPr id="36" name="TextBox 35">
@@ -5966,8 +5989,8 @@
             </a:fontRef>
           </p:style>
         </p:cxnSp>
-        <mc:AlternateContent xmlns:mc="http://schemas.openxmlformats.org/markup-compatibility/2006">
-          <mc:Choice xmlns:a14="http://schemas.microsoft.com/office/drawing/2010/main" Requires="a14">
+        <mc:AlternateContent xmlns:mc="http://schemas.openxmlformats.org/markup-compatibility/2006" xmlns:a14="http://schemas.microsoft.com/office/drawing/2010/main">
+          <mc:Choice Requires="a14">
             <p:sp>
               <p:nvSpPr>
                 <p:cNvPr id="40" name="TextBox 39">
@@ -5996,6 +6019,7 @@
                 </a:bodyPr>
                 <a:lstStyle/>
                 <a:p>
+                  <a:pPr/>
                   <a14:m>
                     <m:oMathPara xmlns:m="http://schemas.openxmlformats.org/officeDocument/2006/math">
                       <m:oMathParaPr>
@@ -6048,7 +6072,7 @@
               </p:txBody>
             </p:sp>
           </mc:Choice>
-          <mc:Fallback>
+          <mc:Fallback xmlns="">
             <p:sp>
               <p:nvSpPr>
                 <p:cNvPr id="40" name="TextBox 39">
@@ -6093,8 +6117,8 @@
             </p:sp>
           </mc:Fallback>
         </mc:AlternateContent>
-        <mc:AlternateContent xmlns:mc="http://schemas.openxmlformats.org/markup-compatibility/2006">
-          <mc:Choice xmlns:a14="http://schemas.microsoft.com/office/drawing/2010/main" Requires="a14">
+        <mc:AlternateContent xmlns:mc="http://schemas.openxmlformats.org/markup-compatibility/2006" xmlns:a14="http://schemas.microsoft.com/office/drawing/2010/main">
+          <mc:Choice Requires="a14">
             <p:sp>
               <p:nvSpPr>
                 <p:cNvPr id="41" name="TextBox 40">
@@ -6123,6 +6147,7 @@
                 </a:bodyPr>
                 <a:lstStyle/>
                 <a:p>
+                  <a:pPr/>
                   <a14:m>
                     <m:oMathPara xmlns:m="http://schemas.openxmlformats.org/officeDocument/2006/math">
                       <m:oMathParaPr>
@@ -6175,7 +6200,7 @@
               </p:txBody>
             </p:sp>
           </mc:Choice>
-          <mc:Fallback>
+          <mc:Fallback xmlns="">
             <p:sp>
               <p:nvSpPr>
                 <p:cNvPr id="41" name="TextBox 40">
@@ -6220,8 +6245,8 @@
             </p:sp>
           </mc:Fallback>
         </mc:AlternateContent>
-        <mc:AlternateContent xmlns:mc="http://schemas.openxmlformats.org/markup-compatibility/2006">
-          <mc:Choice xmlns:a14="http://schemas.microsoft.com/office/drawing/2010/main" Requires="a14">
+        <mc:AlternateContent xmlns:mc="http://schemas.openxmlformats.org/markup-compatibility/2006" xmlns:a14="http://schemas.microsoft.com/office/drawing/2010/main">
+          <mc:Choice Requires="a14">
             <p:sp>
               <p:nvSpPr>
                 <p:cNvPr id="42" name="TextBox 41">
@@ -6250,6 +6275,7 @@
                 </a:bodyPr>
                 <a:lstStyle/>
                 <a:p>
+                  <a:pPr/>
                   <a14:m>
                     <m:oMathPara xmlns:m="http://schemas.openxmlformats.org/officeDocument/2006/math">
                       <m:oMathParaPr>
@@ -6302,7 +6328,7 @@
               </p:txBody>
             </p:sp>
           </mc:Choice>
-          <mc:Fallback>
+          <mc:Fallback xmlns="">
             <p:sp>
               <p:nvSpPr>
                 <p:cNvPr id="42" name="TextBox 41">
@@ -6444,8 +6470,8 @@
             </a:fontRef>
           </p:style>
         </p:cxnSp>
-        <mc:AlternateContent xmlns:mc="http://schemas.openxmlformats.org/markup-compatibility/2006">
-          <mc:Choice xmlns:a14="http://schemas.microsoft.com/office/drawing/2010/main" Requires="a14">
+        <mc:AlternateContent xmlns:mc="http://schemas.openxmlformats.org/markup-compatibility/2006" xmlns:a14="http://schemas.microsoft.com/office/drawing/2010/main">
+          <mc:Choice Requires="a14">
             <p:sp>
               <p:nvSpPr>
                 <p:cNvPr id="46" name="TextBox 45">
@@ -6474,6 +6500,7 @@
                 </a:bodyPr>
                 <a:lstStyle/>
                 <a:p>
+                  <a:pPr/>
                   <a14:m>
                     <m:oMathPara xmlns:m="http://schemas.openxmlformats.org/officeDocument/2006/math">
                       <m:oMathParaPr>
@@ -6513,7 +6540,7 @@
               </p:txBody>
             </p:sp>
           </mc:Choice>
-          <mc:Fallback>
+          <mc:Fallback xmlns="">
             <p:sp>
               <p:nvSpPr>
                 <p:cNvPr id="46" name="TextBox 45">
@@ -6558,8 +6585,8 @@
             </p:sp>
           </mc:Fallback>
         </mc:AlternateContent>
-        <mc:AlternateContent xmlns:mc="http://schemas.openxmlformats.org/markup-compatibility/2006">
-          <mc:Choice xmlns:a14="http://schemas.microsoft.com/office/drawing/2010/main" Requires="a14">
+        <mc:AlternateContent xmlns:mc="http://schemas.openxmlformats.org/markup-compatibility/2006" xmlns:a14="http://schemas.microsoft.com/office/drawing/2010/main">
+          <mc:Choice Requires="a14">
             <p:sp>
               <p:nvSpPr>
                 <p:cNvPr id="47" name="TextBox 46">
@@ -6588,6 +6615,7 @@
                 </a:bodyPr>
                 <a:lstStyle/>
                 <a:p>
+                  <a:pPr/>
                   <a14:m>
                     <m:oMathPara xmlns:m="http://schemas.openxmlformats.org/officeDocument/2006/math">
                       <m:oMathParaPr>
@@ -6627,7 +6655,7 @@
               </p:txBody>
             </p:sp>
           </mc:Choice>
-          <mc:Fallback>
+          <mc:Fallback xmlns="">
             <p:sp>
               <p:nvSpPr>
                 <p:cNvPr id="47" name="TextBox 46">
@@ -6672,8 +6700,8 @@
             </p:sp>
           </mc:Fallback>
         </mc:AlternateContent>
-        <mc:AlternateContent xmlns:mc="http://schemas.openxmlformats.org/markup-compatibility/2006">
-          <mc:Choice xmlns:a14="http://schemas.microsoft.com/office/drawing/2010/main" Requires="a14">
+        <mc:AlternateContent xmlns:mc="http://schemas.openxmlformats.org/markup-compatibility/2006" xmlns:a14="http://schemas.microsoft.com/office/drawing/2010/main">
+          <mc:Choice Requires="a14">
             <p:sp>
               <p:nvSpPr>
                 <p:cNvPr id="48" name="TextBox 47">
@@ -6702,6 +6730,7 @@
                 </a:bodyPr>
                 <a:lstStyle/>
                 <a:p>
+                  <a:pPr/>
                   <a14:m>
                     <m:oMathPara xmlns:m="http://schemas.openxmlformats.org/officeDocument/2006/math">
                       <m:oMathParaPr>
@@ -6741,7 +6770,7 @@
               </p:txBody>
             </p:sp>
           </mc:Choice>
-          <mc:Fallback>
+          <mc:Fallback xmlns="">
             <p:sp>
               <p:nvSpPr>
                 <p:cNvPr id="48" name="TextBox 47">
@@ -6786,8 +6815,8 @@
             </p:sp>
           </mc:Fallback>
         </mc:AlternateContent>
-        <mc:AlternateContent xmlns:mc="http://schemas.openxmlformats.org/markup-compatibility/2006">
-          <mc:Choice xmlns:a14="http://schemas.microsoft.com/office/drawing/2010/main" Requires="a14">
+        <mc:AlternateContent xmlns:mc="http://schemas.openxmlformats.org/markup-compatibility/2006" xmlns:a14="http://schemas.microsoft.com/office/drawing/2010/main">
+          <mc:Choice Requires="a14">
             <p:sp>
               <p:nvSpPr>
                 <p:cNvPr id="49" name="TextBox 48">
@@ -6816,6 +6845,7 @@
                 </a:bodyPr>
                 <a:lstStyle/>
                 <a:p>
+                  <a:pPr/>
                   <a14:m>
                     <m:oMathPara xmlns:m="http://schemas.openxmlformats.org/officeDocument/2006/math">
                       <m:oMathParaPr>
@@ -6855,7 +6885,7 @@
               </p:txBody>
             </p:sp>
           </mc:Choice>
-          <mc:Fallback>
+          <mc:Fallback xmlns="">
             <p:sp>
               <p:nvSpPr>
                 <p:cNvPr id="49" name="TextBox 48">
@@ -7032,8 +7062,8 @@
             </a:fontRef>
           </p:style>
         </p:cxnSp>
-        <mc:AlternateContent xmlns:mc="http://schemas.openxmlformats.org/markup-compatibility/2006">
-          <mc:Choice xmlns:a14="http://schemas.microsoft.com/office/drawing/2010/main" Requires="a14">
+        <mc:AlternateContent xmlns:mc="http://schemas.openxmlformats.org/markup-compatibility/2006" xmlns:a14="http://schemas.microsoft.com/office/drawing/2010/main">
+          <mc:Choice Requires="a14">
             <p:sp>
               <p:nvSpPr>
                 <p:cNvPr id="53" name="TextBox 52">
@@ -7062,6 +7092,7 @@
                 </a:bodyPr>
                 <a:lstStyle/>
                 <a:p>
+                  <a:pPr/>
                   <a14:m>
                     <m:oMathPara xmlns:m="http://schemas.openxmlformats.org/officeDocument/2006/math">
                       <m:oMathParaPr>
@@ -7114,7 +7145,7 @@
               </p:txBody>
             </p:sp>
           </mc:Choice>
-          <mc:Fallback>
+          <mc:Fallback xmlns="">
             <p:sp>
               <p:nvSpPr>
                 <p:cNvPr id="53" name="TextBox 52">
@@ -7159,8 +7190,8 @@
             </p:sp>
           </mc:Fallback>
         </mc:AlternateContent>
-        <mc:AlternateContent xmlns:mc="http://schemas.openxmlformats.org/markup-compatibility/2006">
-          <mc:Choice xmlns:a14="http://schemas.microsoft.com/office/drawing/2010/main" Requires="a14">
+        <mc:AlternateContent xmlns:mc="http://schemas.openxmlformats.org/markup-compatibility/2006" xmlns:a14="http://schemas.microsoft.com/office/drawing/2010/main">
+          <mc:Choice Requires="a14">
             <p:sp>
               <p:nvSpPr>
                 <p:cNvPr id="54" name="TextBox 53">
@@ -7189,6 +7220,7 @@
                 </a:bodyPr>
                 <a:lstStyle/>
                 <a:p>
+                  <a:pPr/>
                   <a14:m>
                     <m:oMathPara xmlns:m="http://schemas.openxmlformats.org/officeDocument/2006/math">
                       <m:oMathParaPr>
@@ -7241,7 +7273,7 @@
               </p:txBody>
             </p:sp>
           </mc:Choice>
-          <mc:Fallback>
+          <mc:Fallback xmlns="">
             <p:sp>
               <p:nvSpPr>
                 <p:cNvPr id="54" name="TextBox 53">
@@ -7286,8 +7318,8 @@
             </p:sp>
           </mc:Fallback>
         </mc:AlternateContent>
-        <mc:AlternateContent xmlns:mc="http://schemas.openxmlformats.org/markup-compatibility/2006">
-          <mc:Choice xmlns:a14="http://schemas.microsoft.com/office/drawing/2010/main" Requires="a14">
+        <mc:AlternateContent xmlns:mc="http://schemas.openxmlformats.org/markup-compatibility/2006" xmlns:a14="http://schemas.microsoft.com/office/drawing/2010/main">
+          <mc:Choice Requires="a14">
             <p:sp>
               <p:nvSpPr>
                 <p:cNvPr id="55" name="TextBox 54">
@@ -7316,6 +7348,7 @@
                 </a:bodyPr>
                 <a:lstStyle/>
                 <a:p>
+                  <a:pPr/>
                   <a14:m>
                     <m:oMathPara xmlns:m="http://schemas.openxmlformats.org/officeDocument/2006/math">
                       <m:oMathParaPr>
@@ -7368,7 +7401,7 @@
               </p:txBody>
             </p:sp>
           </mc:Choice>
-          <mc:Fallback>
+          <mc:Fallback xmlns="">
             <p:sp>
               <p:nvSpPr>
                 <p:cNvPr id="55" name="TextBox 54">
@@ -7458,7 +7491,7 @@
         </p:nvGrpSpPr>
         <p:grpSpPr>
           <a:xfrm>
-            <a:off x="678134" y="1137277"/>
+            <a:off x="231547" y="600382"/>
             <a:ext cx="2246093" cy="2068319"/>
             <a:chOff x="1182959" y="1137277"/>
             <a:chExt cx="2246093" cy="2068319"/>
@@ -7542,8 +7575,8 @@
             </a:fontRef>
           </p:style>
         </p:cxnSp>
-        <mc:AlternateContent xmlns:mc="http://schemas.openxmlformats.org/markup-compatibility/2006">
-          <mc:Choice xmlns:a14="http://schemas.microsoft.com/office/drawing/2010/main" Requires="a14">
+        <mc:AlternateContent xmlns:mc="http://schemas.openxmlformats.org/markup-compatibility/2006" xmlns:a14="http://schemas.microsoft.com/office/drawing/2010/main">
+          <mc:Choice Requires="a14">
             <p:sp>
               <p:nvSpPr>
                 <p:cNvPr id="7" name="TextBox 6">
@@ -7572,6 +7605,7 @@
                 </a:bodyPr>
                 <a:lstStyle/>
                 <a:p>
+                  <a:pPr/>
                   <a14:m>
                     <m:oMathPara xmlns:m="http://schemas.openxmlformats.org/officeDocument/2006/math">
                       <m:oMathParaPr>
@@ -7611,7 +7645,7 @@
               </p:txBody>
             </p:sp>
           </mc:Choice>
-          <mc:Fallback>
+          <mc:Fallback xmlns="">
             <p:sp>
               <p:nvSpPr>
                 <p:cNvPr id="7" name="TextBox 6">
@@ -7656,8 +7690,8 @@
             </p:sp>
           </mc:Fallback>
         </mc:AlternateContent>
-        <mc:AlternateContent xmlns:mc="http://schemas.openxmlformats.org/markup-compatibility/2006">
-          <mc:Choice xmlns:a14="http://schemas.microsoft.com/office/drawing/2010/main" Requires="a14">
+        <mc:AlternateContent xmlns:mc="http://schemas.openxmlformats.org/markup-compatibility/2006" xmlns:a14="http://schemas.microsoft.com/office/drawing/2010/main">
+          <mc:Choice Requires="a14">
             <p:sp>
               <p:nvSpPr>
                 <p:cNvPr id="8" name="TextBox 7">
@@ -7686,6 +7720,7 @@
                 </a:bodyPr>
                 <a:lstStyle/>
                 <a:p>
+                  <a:pPr/>
                   <a14:m>
                     <m:oMathPara xmlns:m="http://schemas.openxmlformats.org/officeDocument/2006/math">
                       <m:oMathParaPr>
@@ -7725,7 +7760,7 @@
               </p:txBody>
             </p:sp>
           </mc:Choice>
-          <mc:Fallback>
+          <mc:Fallback xmlns="">
             <p:sp>
               <p:nvSpPr>
                 <p:cNvPr id="8" name="TextBox 7">
@@ -7770,8 +7805,8 @@
             </p:sp>
           </mc:Fallback>
         </mc:AlternateContent>
-        <mc:AlternateContent xmlns:mc="http://schemas.openxmlformats.org/markup-compatibility/2006">
-          <mc:Choice xmlns:a14="http://schemas.microsoft.com/office/drawing/2010/main" Requires="a14">
+        <mc:AlternateContent xmlns:mc="http://schemas.openxmlformats.org/markup-compatibility/2006" xmlns:a14="http://schemas.microsoft.com/office/drawing/2010/main">
+          <mc:Choice Requires="a14">
             <p:sp>
               <p:nvSpPr>
                 <p:cNvPr id="9" name="TextBox 8">
@@ -7800,6 +7835,7 @@
                 </a:bodyPr>
                 <a:lstStyle/>
                 <a:p>
+                  <a:pPr/>
                   <a14:m>
                     <m:oMathPara xmlns:m="http://schemas.openxmlformats.org/officeDocument/2006/math">
                       <m:oMathParaPr>
@@ -7839,7 +7875,7 @@
               </p:txBody>
             </p:sp>
           </mc:Choice>
-          <mc:Fallback>
+          <mc:Fallback xmlns="">
             <p:sp>
               <p:nvSpPr>
                 <p:cNvPr id="9" name="TextBox 8">
@@ -7884,8 +7920,8 @@
             </p:sp>
           </mc:Fallback>
         </mc:AlternateContent>
-        <mc:AlternateContent xmlns:mc="http://schemas.openxmlformats.org/markup-compatibility/2006">
-          <mc:Choice xmlns:a14="http://schemas.microsoft.com/office/drawing/2010/main" Requires="a14">
+        <mc:AlternateContent xmlns:mc="http://schemas.openxmlformats.org/markup-compatibility/2006" xmlns:a14="http://schemas.microsoft.com/office/drawing/2010/main">
+          <mc:Choice Requires="a14">
             <p:sp>
               <p:nvSpPr>
                 <p:cNvPr id="10" name="TextBox 9">
@@ -7914,6 +7950,7 @@
                 </a:bodyPr>
                 <a:lstStyle/>
                 <a:p>
+                  <a:pPr/>
                   <a14:m>
                     <m:oMathPara xmlns:m="http://schemas.openxmlformats.org/officeDocument/2006/math">
                       <m:oMathParaPr>
@@ -7953,7 +7990,7 @@
               </p:txBody>
             </p:sp>
           </mc:Choice>
-          <mc:Fallback>
+          <mc:Fallback xmlns="">
             <p:sp>
               <p:nvSpPr>
                 <p:cNvPr id="10" name="TextBox 9">
@@ -8013,7 +8050,7 @@
         </p:nvGrpSpPr>
         <p:grpSpPr>
           <a:xfrm>
-            <a:off x="3741987" y="1107237"/>
+            <a:off x="3295400" y="570342"/>
             <a:ext cx="2846168" cy="2098359"/>
             <a:chOff x="3790645" y="1107237"/>
             <a:chExt cx="2846168" cy="2098359"/>
@@ -8097,8 +8134,8 @@
             </a:fontRef>
           </p:style>
         </p:cxnSp>
-        <mc:AlternateContent xmlns:mc="http://schemas.openxmlformats.org/markup-compatibility/2006">
-          <mc:Choice xmlns:a14="http://schemas.microsoft.com/office/drawing/2010/main" Requires="a14">
+        <mc:AlternateContent xmlns:mc="http://schemas.openxmlformats.org/markup-compatibility/2006" xmlns:a14="http://schemas.microsoft.com/office/drawing/2010/main">
+          <mc:Choice Requires="a14">
             <p:sp>
               <p:nvSpPr>
                 <p:cNvPr id="21" name="TextBox 20">
@@ -8127,6 +8164,7 @@
                 </a:bodyPr>
                 <a:lstStyle/>
                 <a:p>
+                  <a:pPr/>
                   <a14:m>
                     <m:oMathPara xmlns:m="http://schemas.openxmlformats.org/officeDocument/2006/math">
                       <m:oMathParaPr>
@@ -8166,7 +8204,7 @@
               </p:txBody>
             </p:sp>
           </mc:Choice>
-          <mc:Fallback>
+          <mc:Fallback xmlns="">
             <p:sp>
               <p:nvSpPr>
                 <p:cNvPr id="21" name="TextBox 20">
@@ -8211,8 +8249,8 @@
             </p:sp>
           </mc:Fallback>
         </mc:AlternateContent>
-        <mc:AlternateContent xmlns:mc="http://schemas.openxmlformats.org/markup-compatibility/2006">
-          <mc:Choice xmlns:a14="http://schemas.microsoft.com/office/drawing/2010/main" Requires="a14">
+        <mc:AlternateContent xmlns:mc="http://schemas.openxmlformats.org/markup-compatibility/2006" xmlns:a14="http://schemas.microsoft.com/office/drawing/2010/main">
+          <mc:Choice Requires="a14">
             <p:sp>
               <p:nvSpPr>
                 <p:cNvPr id="22" name="TextBox 21">
@@ -8241,6 +8279,7 @@
                 </a:bodyPr>
                 <a:lstStyle/>
                 <a:p>
+                  <a:pPr/>
                   <a14:m>
                     <m:oMathPara xmlns:m="http://schemas.openxmlformats.org/officeDocument/2006/math">
                       <m:oMathParaPr>
@@ -8280,7 +8319,7 @@
               </p:txBody>
             </p:sp>
           </mc:Choice>
-          <mc:Fallback>
+          <mc:Fallback xmlns="">
             <p:sp>
               <p:nvSpPr>
                 <p:cNvPr id="22" name="TextBox 21">
@@ -8325,8 +8364,8 @@
             </p:sp>
           </mc:Fallback>
         </mc:AlternateContent>
-        <mc:AlternateContent xmlns:mc="http://schemas.openxmlformats.org/markup-compatibility/2006">
-          <mc:Choice xmlns:a14="http://schemas.microsoft.com/office/drawing/2010/main" Requires="a14">
+        <mc:AlternateContent xmlns:mc="http://schemas.openxmlformats.org/markup-compatibility/2006" xmlns:a14="http://schemas.microsoft.com/office/drawing/2010/main">
+          <mc:Choice Requires="a14">
             <p:sp>
               <p:nvSpPr>
                 <p:cNvPr id="23" name="TextBox 22">
@@ -8355,6 +8394,7 @@
                 </a:bodyPr>
                 <a:lstStyle/>
                 <a:p>
+                  <a:pPr/>
                   <a14:m>
                     <m:oMathPara xmlns:m="http://schemas.openxmlformats.org/officeDocument/2006/math">
                       <m:oMathParaPr>
@@ -8394,7 +8434,7 @@
               </p:txBody>
             </p:sp>
           </mc:Choice>
-          <mc:Fallback>
+          <mc:Fallback xmlns="">
             <p:sp>
               <p:nvSpPr>
                 <p:cNvPr id="23" name="TextBox 22">
@@ -8439,8 +8479,8 @@
             </p:sp>
           </mc:Fallback>
         </mc:AlternateContent>
-        <mc:AlternateContent xmlns:mc="http://schemas.openxmlformats.org/markup-compatibility/2006">
-          <mc:Choice xmlns:a14="http://schemas.microsoft.com/office/drawing/2010/main" Requires="a14">
+        <mc:AlternateContent xmlns:mc="http://schemas.openxmlformats.org/markup-compatibility/2006" xmlns:a14="http://schemas.microsoft.com/office/drawing/2010/main">
+          <mc:Choice Requires="a14">
             <p:sp>
               <p:nvSpPr>
                 <p:cNvPr id="24" name="TextBox 23">
@@ -8469,6 +8509,7 @@
                 </a:bodyPr>
                 <a:lstStyle/>
                 <a:p>
+                  <a:pPr/>
                   <a14:m>
                     <m:oMathPara xmlns:m="http://schemas.openxmlformats.org/officeDocument/2006/math">
                       <m:oMathParaPr>
@@ -8508,7 +8549,7 @@
               </p:txBody>
             </p:sp>
           </mc:Choice>
-          <mc:Fallback>
+          <mc:Fallback xmlns="">
             <p:sp>
               <p:nvSpPr>
                 <p:cNvPr id="24" name="TextBox 23">
@@ -8568,7 +8609,7 @@
         </p:nvGrpSpPr>
         <p:grpSpPr>
           <a:xfrm>
-            <a:off x="7405915" y="981380"/>
+            <a:off x="6959328" y="444485"/>
             <a:ext cx="2946672" cy="2224216"/>
             <a:chOff x="7594186" y="981380"/>
             <a:chExt cx="2946672" cy="2224216"/>
@@ -8652,8 +8693,8 @@
             </a:fontRef>
           </p:style>
         </p:cxnSp>
-        <mc:AlternateContent xmlns:mc="http://schemas.openxmlformats.org/markup-compatibility/2006">
-          <mc:Choice xmlns:a14="http://schemas.microsoft.com/office/drawing/2010/main" Requires="a14">
+        <mc:AlternateContent xmlns:mc="http://schemas.openxmlformats.org/markup-compatibility/2006" xmlns:a14="http://schemas.microsoft.com/office/drawing/2010/main">
+          <mc:Choice Requires="a14">
             <p:sp>
               <p:nvSpPr>
                 <p:cNvPr id="30" name="TextBox 29">
@@ -8682,6 +8723,7 @@
                 </a:bodyPr>
                 <a:lstStyle/>
                 <a:p>
+                  <a:pPr/>
                   <a14:m>
                     <m:oMathPara xmlns:m="http://schemas.openxmlformats.org/officeDocument/2006/math">
                       <m:oMathParaPr>
@@ -8721,7 +8763,7 @@
               </p:txBody>
             </p:sp>
           </mc:Choice>
-          <mc:Fallback>
+          <mc:Fallback xmlns="">
             <p:sp>
               <p:nvSpPr>
                 <p:cNvPr id="30" name="TextBox 29">
@@ -8766,8 +8808,8 @@
             </p:sp>
           </mc:Fallback>
         </mc:AlternateContent>
-        <mc:AlternateContent xmlns:mc="http://schemas.openxmlformats.org/markup-compatibility/2006">
-          <mc:Choice xmlns:a14="http://schemas.microsoft.com/office/drawing/2010/main" Requires="a14">
+        <mc:AlternateContent xmlns:mc="http://schemas.openxmlformats.org/markup-compatibility/2006" xmlns:a14="http://schemas.microsoft.com/office/drawing/2010/main">
+          <mc:Choice Requires="a14">
             <p:sp>
               <p:nvSpPr>
                 <p:cNvPr id="31" name="TextBox 30">
@@ -8796,6 +8838,7 @@
                 </a:bodyPr>
                 <a:lstStyle/>
                 <a:p>
+                  <a:pPr/>
                   <a14:m>
                     <m:oMathPara xmlns:m="http://schemas.openxmlformats.org/officeDocument/2006/math">
                       <m:oMathParaPr>
@@ -8835,7 +8878,7 @@
               </p:txBody>
             </p:sp>
           </mc:Choice>
-          <mc:Fallback>
+          <mc:Fallback xmlns="">
             <p:sp>
               <p:nvSpPr>
                 <p:cNvPr id="31" name="TextBox 30">
@@ -8880,8 +8923,8 @@
             </p:sp>
           </mc:Fallback>
         </mc:AlternateContent>
-        <mc:AlternateContent xmlns:mc="http://schemas.openxmlformats.org/markup-compatibility/2006">
-          <mc:Choice xmlns:a14="http://schemas.microsoft.com/office/drawing/2010/main" Requires="a14">
+        <mc:AlternateContent xmlns:mc="http://schemas.openxmlformats.org/markup-compatibility/2006" xmlns:a14="http://schemas.microsoft.com/office/drawing/2010/main">
+          <mc:Choice Requires="a14">
             <p:sp>
               <p:nvSpPr>
                 <p:cNvPr id="32" name="TextBox 31">
@@ -8910,6 +8953,7 @@
                 </a:bodyPr>
                 <a:lstStyle/>
                 <a:p>
+                  <a:pPr/>
                   <a14:m>
                     <m:oMathPara xmlns:m="http://schemas.openxmlformats.org/officeDocument/2006/math">
                       <m:oMathParaPr>
@@ -8949,7 +8993,7 @@
               </p:txBody>
             </p:sp>
           </mc:Choice>
-          <mc:Fallback>
+          <mc:Fallback xmlns="">
             <p:sp>
               <p:nvSpPr>
                 <p:cNvPr id="32" name="TextBox 31">
@@ -8994,8 +9038,8 @@
             </p:sp>
           </mc:Fallback>
         </mc:AlternateContent>
-        <mc:AlternateContent xmlns:mc="http://schemas.openxmlformats.org/markup-compatibility/2006">
-          <mc:Choice xmlns:a14="http://schemas.microsoft.com/office/drawing/2010/main" Requires="a14">
+        <mc:AlternateContent xmlns:mc="http://schemas.openxmlformats.org/markup-compatibility/2006" xmlns:a14="http://schemas.microsoft.com/office/drawing/2010/main">
+          <mc:Choice Requires="a14">
             <p:sp>
               <p:nvSpPr>
                 <p:cNvPr id="33" name="TextBox 32">
@@ -9024,6 +9068,7 @@
                 </a:bodyPr>
                 <a:lstStyle/>
                 <a:p>
+                  <a:pPr/>
                   <a14:m>
                     <m:oMathPara xmlns:m="http://schemas.openxmlformats.org/officeDocument/2006/math">
                       <m:oMathParaPr>
@@ -9063,7 +9108,7 @@
               </p:txBody>
             </p:sp>
           </mc:Choice>
-          <mc:Fallback>
+          <mc:Fallback xmlns="">
             <p:sp>
               <p:nvSpPr>
                 <p:cNvPr id="33" name="TextBox 32">
@@ -9149,6 +9194,1124 @@
             </a:fontRef>
           </p:style>
         </p:cxnSp>
+      </p:grpSp>
+      <p:grpSp>
+        <p:nvGrpSpPr>
+          <p:cNvPr id="13" name="그룹 12">
+            <a:extLst>
+              <a:ext uri="{FF2B5EF4-FFF2-40B4-BE49-F238E27FC236}">
+                <a16:creationId xmlns:a16="http://schemas.microsoft.com/office/drawing/2014/main" id="{2F467A7F-71C9-49BA-B373-B0D84F86758B}"/>
+              </a:ext>
+            </a:extLst>
+          </p:cNvPr>
+          <p:cNvGrpSpPr/>
+          <p:nvPr/>
+        </p:nvGrpSpPr>
+        <p:grpSpPr>
+          <a:xfrm>
+            <a:off x="944205" y="3821532"/>
+            <a:ext cx="6331440" cy="369332"/>
+            <a:chOff x="944205" y="3821532"/>
+            <a:chExt cx="6331440" cy="369332"/>
+          </a:xfrm>
+        </p:grpSpPr>
+        <p:cxnSp>
+          <p:nvCxnSpPr>
+            <p:cNvPr id="27" name="직선 연결선 26">
+              <a:extLst>
+                <a:ext uri="{FF2B5EF4-FFF2-40B4-BE49-F238E27FC236}">
+                  <a16:creationId xmlns:a16="http://schemas.microsoft.com/office/drawing/2014/main" id="{DDACB848-C561-42E6-A082-65502DFB0615}"/>
+                </a:ext>
+              </a:extLst>
+            </p:cNvPr>
+            <p:cNvCxnSpPr>
+              <a:cxnSpLocks/>
+            </p:cNvCxnSpPr>
+            <p:nvPr/>
+          </p:nvCxnSpPr>
+          <p:spPr>
+            <a:xfrm flipV="1">
+              <a:off x="1356325" y="4006198"/>
+              <a:ext cx="2227581" cy="4740"/>
+            </a:xfrm>
+            <a:prstGeom prst="line">
+              <a:avLst/>
+            </a:prstGeom>
+            <a:ln w="38100"/>
+          </p:spPr>
+          <p:style>
+            <a:lnRef idx="1">
+              <a:schemeClr val="dk1"/>
+            </a:lnRef>
+            <a:fillRef idx="0">
+              <a:schemeClr val="dk1"/>
+            </a:fillRef>
+            <a:effectRef idx="0">
+              <a:schemeClr val="dk1"/>
+            </a:effectRef>
+            <a:fontRef idx="minor">
+              <a:schemeClr val="tx1"/>
+            </a:fontRef>
+          </p:style>
+        </p:cxnSp>
+        <mc:AlternateContent xmlns:mc="http://schemas.openxmlformats.org/markup-compatibility/2006">
+          <mc:Choice xmlns:a14="http://schemas.microsoft.com/office/drawing/2010/main" Requires="a14">
+            <p:sp>
+              <p:nvSpPr>
+                <p:cNvPr id="35" name="TextBox 34">
+                  <a:extLst>
+                    <a:ext uri="{FF2B5EF4-FFF2-40B4-BE49-F238E27FC236}">
+                      <a16:creationId xmlns:a16="http://schemas.microsoft.com/office/drawing/2014/main" id="{C56ECB7A-C055-4A85-9F38-5F6E8E49E5CA}"/>
+                    </a:ext>
+                  </a:extLst>
+                </p:cNvPr>
+                <p:cNvSpPr txBox="1"/>
+                <p:nvPr/>
+              </p:nvSpPr>
+              <p:spPr>
+                <a:xfrm>
+                  <a:off x="944205" y="3821532"/>
+                  <a:ext cx="460511" cy="369332"/>
+                </a:xfrm>
+                <a:prstGeom prst="rect">
+                  <a:avLst/>
+                </a:prstGeom>
+                <a:noFill/>
+              </p:spPr>
+              <p:txBody>
+                <a:bodyPr wrap="none" rtlCol="0">
+                  <a:spAutoFit/>
+                </a:bodyPr>
+                <a:lstStyle/>
+                <a:p>
+                  <a:pPr/>
+                  <a14:m>
+                    <m:oMathPara xmlns:m="http://schemas.openxmlformats.org/officeDocument/2006/math">
+                      <m:oMathParaPr>
+                        <m:jc m:val="centerGroup"/>
+                      </m:oMathParaPr>
+                      <m:oMath xmlns:m="http://schemas.openxmlformats.org/officeDocument/2006/math">
+                        <m:sSub>
+                          <m:sSubPr>
+                            <m:ctrlPr>
+                              <a:rPr lang="en-US" altLang="ko-KR" b="0" i="1" smtClean="0">
+                                <a:latin typeface="Cambria Math" panose="02040503050406030204" pitchFamily="18" charset="0"/>
+                              </a:rPr>
+                            </m:ctrlPr>
+                          </m:sSubPr>
+                          <m:e>
+                            <m:r>
+                              <a:rPr lang="en-US" altLang="ko-KR" b="0" i="1" smtClean="0">
+                                <a:latin typeface="Cambria Math" panose="02040503050406030204" pitchFamily="18" charset="0"/>
+                              </a:rPr>
+                              <m:t>𝑝</m:t>
+                            </m:r>
+                          </m:e>
+                          <m:sub>
+                            <m:r>
+                              <a:rPr lang="en-US" altLang="ko-KR" b="0" i="1" smtClean="0">
+                                <a:latin typeface="Cambria Math" panose="02040503050406030204" pitchFamily="18" charset="0"/>
+                              </a:rPr>
+                              <m:t>1</m:t>
+                            </m:r>
+                          </m:sub>
+                        </m:sSub>
+                      </m:oMath>
+                    </m:oMathPara>
+                  </a14:m>
+                  <a:endParaRPr lang="ko-KR" altLang="en-US" dirty="0"/>
+                </a:p>
+              </p:txBody>
+            </p:sp>
+          </mc:Choice>
+          <mc:Fallback>
+            <p:sp>
+              <p:nvSpPr>
+                <p:cNvPr id="35" name="TextBox 34">
+                  <a:extLst>
+                    <a:ext uri="{FF2B5EF4-FFF2-40B4-BE49-F238E27FC236}">
+                      <a16:creationId xmlns:a16="http://schemas.microsoft.com/office/drawing/2014/main" id="{C56ECB7A-C055-4A85-9F38-5F6E8E49E5CA}"/>
+                    </a:ext>
+                  </a:extLst>
+                </p:cNvPr>
+                <p:cNvSpPr txBox="1">
+                  <a:spLocks noRot="1" noChangeAspect="1" noMove="1" noResize="1" noEditPoints="1" noAdjustHandles="1" noChangeArrowheads="1" noChangeShapeType="1" noTextEdit="1"/>
+                </p:cNvSpPr>
+                <p:nvPr/>
+              </p:nvSpPr>
+              <p:spPr>
+                <a:xfrm>
+                  <a:off x="944205" y="3821532"/>
+                  <a:ext cx="460511" cy="369332"/>
+                </a:xfrm>
+                <a:prstGeom prst="rect">
+                  <a:avLst/>
+                </a:prstGeom>
+                <a:blipFill>
+                  <a:blip r:embed="rId14"/>
+                  <a:stretch>
+                    <a:fillRect b="-6667"/>
+                  </a:stretch>
+                </a:blipFill>
+              </p:spPr>
+              <p:txBody>
+                <a:bodyPr/>
+                <a:lstStyle/>
+                <a:p>
+                  <a:r>
+                    <a:rPr lang="ko-KR" altLang="en-US">
+                      <a:noFill/>
+                    </a:rPr>
+                    <a:t> </a:t>
+                  </a:r>
+                </a:p>
+              </p:txBody>
+            </p:sp>
+          </mc:Fallback>
+        </mc:AlternateContent>
+        <mc:AlternateContent xmlns:mc="http://schemas.openxmlformats.org/markup-compatibility/2006">
+          <mc:Choice xmlns:a14="http://schemas.microsoft.com/office/drawing/2010/main" Requires="a14">
+            <p:sp>
+              <p:nvSpPr>
+                <p:cNvPr id="36" name="TextBox 35">
+                  <a:extLst>
+                    <a:ext uri="{FF2B5EF4-FFF2-40B4-BE49-F238E27FC236}">
+                      <a16:creationId xmlns:a16="http://schemas.microsoft.com/office/drawing/2014/main" id="{CF430E0B-9163-432E-87F3-2783317CF624}"/>
+                    </a:ext>
+                  </a:extLst>
+                </p:cNvPr>
+                <p:cNvSpPr txBox="1"/>
+                <p:nvPr/>
+              </p:nvSpPr>
+              <p:spPr>
+                <a:xfrm>
+                  <a:off x="3604193" y="3821532"/>
+                  <a:ext cx="465832" cy="369332"/>
+                </a:xfrm>
+                <a:prstGeom prst="rect">
+                  <a:avLst/>
+                </a:prstGeom>
+                <a:noFill/>
+              </p:spPr>
+              <p:txBody>
+                <a:bodyPr wrap="none" rtlCol="0">
+                  <a:spAutoFit/>
+                </a:bodyPr>
+                <a:lstStyle/>
+                <a:p>
+                  <a:pPr/>
+                  <a14:m>
+                    <m:oMathPara xmlns:m="http://schemas.openxmlformats.org/officeDocument/2006/math">
+                      <m:oMathParaPr>
+                        <m:jc m:val="centerGroup"/>
+                      </m:oMathParaPr>
+                      <m:oMath xmlns:m="http://schemas.openxmlformats.org/officeDocument/2006/math">
+                        <m:sSub>
+                          <m:sSubPr>
+                            <m:ctrlPr>
+                              <a:rPr lang="en-US" altLang="ko-KR" b="0" i="1" smtClean="0">
+                                <a:latin typeface="Cambria Math" panose="02040503050406030204" pitchFamily="18" charset="0"/>
+                              </a:rPr>
+                            </m:ctrlPr>
+                          </m:sSubPr>
+                          <m:e>
+                            <m:r>
+                              <a:rPr lang="en-US" altLang="ko-KR" b="0" i="1" smtClean="0">
+                                <a:latin typeface="Cambria Math" panose="02040503050406030204" pitchFamily="18" charset="0"/>
+                              </a:rPr>
+                              <m:t>𝑝</m:t>
+                            </m:r>
+                          </m:e>
+                          <m:sub>
+                            <m:r>
+                              <a:rPr lang="en-US" altLang="ko-KR" b="0" i="1" smtClean="0">
+                                <a:latin typeface="Cambria Math" panose="02040503050406030204" pitchFamily="18" charset="0"/>
+                              </a:rPr>
+                              <m:t>2</m:t>
+                            </m:r>
+                          </m:sub>
+                        </m:sSub>
+                      </m:oMath>
+                    </m:oMathPara>
+                  </a14:m>
+                  <a:endParaRPr lang="ko-KR" altLang="en-US" dirty="0"/>
+                </a:p>
+              </p:txBody>
+            </p:sp>
+          </mc:Choice>
+          <mc:Fallback>
+            <p:sp>
+              <p:nvSpPr>
+                <p:cNvPr id="36" name="TextBox 35">
+                  <a:extLst>
+                    <a:ext uri="{FF2B5EF4-FFF2-40B4-BE49-F238E27FC236}">
+                      <a16:creationId xmlns:a16="http://schemas.microsoft.com/office/drawing/2014/main" id="{CF430E0B-9163-432E-87F3-2783317CF624}"/>
+                    </a:ext>
+                  </a:extLst>
+                </p:cNvPr>
+                <p:cNvSpPr txBox="1">
+                  <a:spLocks noRot="1" noChangeAspect="1" noMove="1" noResize="1" noEditPoints="1" noAdjustHandles="1" noChangeArrowheads="1" noChangeShapeType="1" noTextEdit="1"/>
+                </p:cNvSpPr>
+                <p:nvPr/>
+              </p:nvSpPr>
+              <p:spPr>
+                <a:xfrm>
+                  <a:off x="3604193" y="3821532"/>
+                  <a:ext cx="465832" cy="369332"/>
+                </a:xfrm>
+                <a:prstGeom prst="rect">
+                  <a:avLst/>
+                </a:prstGeom>
+                <a:blipFill>
+                  <a:blip r:embed="rId15"/>
+                  <a:stretch>
+                    <a:fillRect b="-6667"/>
+                  </a:stretch>
+                </a:blipFill>
+              </p:spPr>
+              <p:txBody>
+                <a:bodyPr/>
+                <a:lstStyle/>
+                <a:p>
+                  <a:r>
+                    <a:rPr lang="ko-KR" altLang="en-US">
+                      <a:noFill/>
+                    </a:rPr>
+                    <a:t> </a:t>
+                  </a:r>
+                </a:p>
+              </p:txBody>
+            </p:sp>
+          </mc:Fallback>
+        </mc:AlternateContent>
+        <p:cxnSp>
+          <p:nvCxnSpPr>
+            <p:cNvPr id="38" name="직선 연결선 37">
+              <a:extLst>
+                <a:ext uri="{FF2B5EF4-FFF2-40B4-BE49-F238E27FC236}">
+                  <a16:creationId xmlns:a16="http://schemas.microsoft.com/office/drawing/2014/main" id="{DE797B77-2386-49F1-AADB-640F4AFB09AA}"/>
+                </a:ext>
+              </a:extLst>
+            </p:cNvPr>
+            <p:cNvCxnSpPr>
+              <a:cxnSpLocks/>
+            </p:cNvCxnSpPr>
+            <p:nvPr/>
+          </p:nvCxnSpPr>
+          <p:spPr>
+            <a:xfrm flipV="1">
+              <a:off x="4563676" y="4006198"/>
+              <a:ext cx="2227581" cy="4740"/>
+            </a:xfrm>
+            <a:prstGeom prst="line">
+              <a:avLst/>
+            </a:prstGeom>
+            <a:ln w="38100"/>
+          </p:spPr>
+          <p:style>
+            <a:lnRef idx="1">
+              <a:schemeClr val="dk1"/>
+            </a:lnRef>
+            <a:fillRef idx="0">
+              <a:schemeClr val="dk1"/>
+            </a:fillRef>
+            <a:effectRef idx="0">
+              <a:schemeClr val="dk1"/>
+            </a:effectRef>
+            <a:fontRef idx="minor">
+              <a:schemeClr val="tx1"/>
+            </a:fontRef>
+          </p:style>
+        </p:cxnSp>
+        <mc:AlternateContent xmlns:mc="http://schemas.openxmlformats.org/markup-compatibility/2006">
+          <mc:Choice xmlns:a14="http://schemas.microsoft.com/office/drawing/2010/main" Requires="a14">
+            <p:sp>
+              <p:nvSpPr>
+                <p:cNvPr id="39" name="TextBox 38">
+                  <a:extLst>
+                    <a:ext uri="{FF2B5EF4-FFF2-40B4-BE49-F238E27FC236}">
+                      <a16:creationId xmlns:a16="http://schemas.microsoft.com/office/drawing/2014/main" id="{7AFCA410-8B35-4C56-AE09-FB240401053A}"/>
+                    </a:ext>
+                  </a:extLst>
+                </p:cNvPr>
+                <p:cNvSpPr txBox="1"/>
+                <p:nvPr/>
+              </p:nvSpPr>
+              <p:spPr>
+                <a:xfrm>
+                  <a:off x="4151556" y="3821532"/>
+                  <a:ext cx="465832" cy="369332"/>
+                </a:xfrm>
+                <a:prstGeom prst="rect">
+                  <a:avLst/>
+                </a:prstGeom>
+                <a:noFill/>
+              </p:spPr>
+              <p:txBody>
+                <a:bodyPr wrap="none" rtlCol="0">
+                  <a:spAutoFit/>
+                </a:bodyPr>
+                <a:lstStyle/>
+                <a:p>
+                  <a:pPr/>
+                  <a14:m>
+                    <m:oMathPara xmlns:m="http://schemas.openxmlformats.org/officeDocument/2006/math">
+                      <m:oMathParaPr>
+                        <m:jc m:val="centerGroup"/>
+                      </m:oMathParaPr>
+                      <m:oMath xmlns:m="http://schemas.openxmlformats.org/officeDocument/2006/math">
+                        <m:sSub>
+                          <m:sSubPr>
+                            <m:ctrlPr>
+                              <a:rPr lang="en-US" altLang="ko-KR" b="0" i="1" smtClean="0">
+                                <a:latin typeface="Cambria Math" panose="02040503050406030204" pitchFamily="18" charset="0"/>
+                              </a:rPr>
+                            </m:ctrlPr>
+                          </m:sSubPr>
+                          <m:e>
+                            <m:r>
+                              <a:rPr lang="en-US" altLang="ko-KR" b="0" i="1" smtClean="0">
+                                <a:latin typeface="Cambria Math" panose="02040503050406030204" pitchFamily="18" charset="0"/>
+                              </a:rPr>
+                              <m:t>𝑝</m:t>
+                            </m:r>
+                          </m:e>
+                          <m:sub>
+                            <m:r>
+                              <a:rPr lang="en-US" altLang="ko-KR" b="0" i="1" smtClean="0">
+                                <a:latin typeface="Cambria Math" panose="02040503050406030204" pitchFamily="18" charset="0"/>
+                              </a:rPr>
+                              <m:t>3</m:t>
+                            </m:r>
+                          </m:sub>
+                        </m:sSub>
+                      </m:oMath>
+                    </m:oMathPara>
+                  </a14:m>
+                  <a:endParaRPr lang="ko-KR" altLang="en-US" dirty="0"/>
+                </a:p>
+              </p:txBody>
+            </p:sp>
+          </mc:Choice>
+          <mc:Fallback>
+            <p:sp>
+              <p:nvSpPr>
+                <p:cNvPr id="39" name="TextBox 38">
+                  <a:extLst>
+                    <a:ext uri="{FF2B5EF4-FFF2-40B4-BE49-F238E27FC236}">
+                      <a16:creationId xmlns:a16="http://schemas.microsoft.com/office/drawing/2014/main" id="{7AFCA410-8B35-4C56-AE09-FB240401053A}"/>
+                    </a:ext>
+                  </a:extLst>
+                </p:cNvPr>
+                <p:cNvSpPr txBox="1">
+                  <a:spLocks noRot="1" noChangeAspect="1" noMove="1" noResize="1" noEditPoints="1" noAdjustHandles="1" noChangeArrowheads="1" noChangeShapeType="1" noTextEdit="1"/>
+                </p:cNvSpPr>
+                <p:nvPr/>
+              </p:nvSpPr>
+              <p:spPr>
+                <a:xfrm>
+                  <a:off x="4151556" y="3821532"/>
+                  <a:ext cx="465832" cy="369332"/>
+                </a:xfrm>
+                <a:prstGeom prst="rect">
+                  <a:avLst/>
+                </a:prstGeom>
+                <a:blipFill>
+                  <a:blip r:embed="rId16"/>
+                  <a:stretch>
+                    <a:fillRect b="-6667"/>
+                  </a:stretch>
+                </a:blipFill>
+              </p:spPr>
+              <p:txBody>
+                <a:bodyPr/>
+                <a:lstStyle/>
+                <a:p>
+                  <a:r>
+                    <a:rPr lang="ko-KR" altLang="en-US">
+                      <a:noFill/>
+                    </a:rPr>
+                    <a:t> </a:t>
+                  </a:r>
+                </a:p>
+              </p:txBody>
+            </p:sp>
+          </mc:Fallback>
+        </mc:AlternateContent>
+        <mc:AlternateContent xmlns:mc="http://schemas.openxmlformats.org/markup-compatibility/2006">
+          <mc:Choice xmlns:a14="http://schemas.microsoft.com/office/drawing/2010/main" Requires="a14">
+            <p:sp>
+              <p:nvSpPr>
+                <p:cNvPr id="40" name="TextBox 39">
+                  <a:extLst>
+                    <a:ext uri="{FF2B5EF4-FFF2-40B4-BE49-F238E27FC236}">
+                      <a16:creationId xmlns:a16="http://schemas.microsoft.com/office/drawing/2014/main" id="{04233CEF-9E38-450F-9C82-D8DD2ABACCF8}"/>
+                    </a:ext>
+                  </a:extLst>
+                </p:cNvPr>
+                <p:cNvSpPr txBox="1"/>
+                <p:nvPr/>
+              </p:nvSpPr>
+              <p:spPr>
+                <a:xfrm>
+                  <a:off x="6811544" y="3821532"/>
+                  <a:ext cx="464101" cy="369332"/>
+                </a:xfrm>
+                <a:prstGeom prst="rect">
+                  <a:avLst/>
+                </a:prstGeom>
+                <a:noFill/>
+              </p:spPr>
+              <p:txBody>
+                <a:bodyPr wrap="none" rtlCol="0">
+                  <a:spAutoFit/>
+                </a:bodyPr>
+                <a:lstStyle/>
+                <a:p>
+                  <a:pPr/>
+                  <a14:m>
+                    <m:oMathPara xmlns:m="http://schemas.openxmlformats.org/officeDocument/2006/math">
+                      <m:oMathParaPr>
+                        <m:jc m:val="centerGroup"/>
+                      </m:oMathParaPr>
+                      <m:oMath xmlns:m="http://schemas.openxmlformats.org/officeDocument/2006/math">
+                        <m:sSub>
+                          <m:sSubPr>
+                            <m:ctrlPr>
+                              <a:rPr lang="en-US" altLang="ko-KR" b="0" i="1" smtClean="0">
+                                <a:latin typeface="Cambria Math" panose="02040503050406030204" pitchFamily="18" charset="0"/>
+                              </a:rPr>
+                            </m:ctrlPr>
+                          </m:sSubPr>
+                          <m:e>
+                            <m:r>
+                              <a:rPr lang="en-US" altLang="ko-KR" b="0" i="1" smtClean="0">
+                                <a:latin typeface="Cambria Math" panose="02040503050406030204" pitchFamily="18" charset="0"/>
+                              </a:rPr>
+                              <m:t>𝑝</m:t>
+                            </m:r>
+                          </m:e>
+                          <m:sub>
+                            <m:r>
+                              <a:rPr lang="en-US" altLang="ko-KR" b="0" i="1" smtClean="0">
+                                <a:latin typeface="Cambria Math" panose="02040503050406030204" pitchFamily="18" charset="0"/>
+                              </a:rPr>
+                              <m:t>4</m:t>
+                            </m:r>
+                          </m:sub>
+                        </m:sSub>
+                      </m:oMath>
+                    </m:oMathPara>
+                  </a14:m>
+                  <a:endParaRPr lang="ko-KR" altLang="en-US" dirty="0"/>
+                </a:p>
+              </p:txBody>
+            </p:sp>
+          </mc:Choice>
+          <mc:Fallback>
+            <p:sp>
+              <p:nvSpPr>
+                <p:cNvPr id="40" name="TextBox 39">
+                  <a:extLst>
+                    <a:ext uri="{FF2B5EF4-FFF2-40B4-BE49-F238E27FC236}">
+                      <a16:creationId xmlns:a16="http://schemas.microsoft.com/office/drawing/2014/main" id="{04233CEF-9E38-450F-9C82-D8DD2ABACCF8}"/>
+                    </a:ext>
+                  </a:extLst>
+                </p:cNvPr>
+                <p:cNvSpPr txBox="1">
+                  <a:spLocks noRot="1" noChangeAspect="1" noMove="1" noResize="1" noEditPoints="1" noAdjustHandles="1" noChangeArrowheads="1" noChangeShapeType="1" noTextEdit="1"/>
+                </p:cNvSpPr>
+                <p:nvPr/>
+              </p:nvSpPr>
+              <p:spPr>
+                <a:xfrm>
+                  <a:off x="6811544" y="3821532"/>
+                  <a:ext cx="464101" cy="369332"/>
+                </a:xfrm>
+                <a:prstGeom prst="rect">
+                  <a:avLst/>
+                </a:prstGeom>
+                <a:blipFill>
+                  <a:blip r:embed="rId17"/>
+                  <a:stretch>
+                    <a:fillRect b="-6667"/>
+                  </a:stretch>
+                </a:blipFill>
+              </p:spPr>
+              <p:txBody>
+                <a:bodyPr/>
+                <a:lstStyle/>
+                <a:p>
+                  <a:r>
+                    <a:rPr lang="ko-KR" altLang="en-US">
+                      <a:noFill/>
+                    </a:rPr>
+                    <a:t> </a:t>
+                  </a:r>
+                </a:p>
+              </p:txBody>
+            </p:sp>
+          </mc:Fallback>
+        </mc:AlternateContent>
+      </p:grpSp>
+      <p:grpSp>
+        <p:nvGrpSpPr>
+          <p:cNvPr id="12" name="그룹 11">
+            <a:extLst>
+              <a:ext uri="{FF2B5EF4-FFF2-40B4-BE49-F238E27FC236}">
+                <a16:creationId xmlns:a16="http://schemas.microsoft.com/office/drawing/2014/main" id="{0E13946A-AA48-45A7-8D9A-29E83DEDFABD}"/>
+              </a:ext>
+            </a:extLst>
+          </p:cNvPr>
+          <p:cNvGrpSpPr/>
+          <p:nvPr/>
+        </p:nvGrpSpPr>
+        <p:grpSpPr>
+          <a:xfrm>
+            <a:off x="1101033" y="4530731"/>
+            <a:ext cx="6017784" cy="488285"/>
+            <a:chOff x="1193881" y="4530731"/>
+            <a:chExt cx="6017784" cy="488285"/>
+          </a:xfrm>
+        </p:grpSpPr>
+        <p:cxnSp>
+          <p:nvCxnSpPr>
+            <p:cNvPr id="41" name="직선 연결선 40">
+              <a:extLst>
+                <a:ext uri="{FF2B5EF4-FFF2-40B4-BE49-F238E27FC236}">
+                  <a16:creationId xmlns:a16="http://schemas.microsoft.com/office/drawing/2014/main" id="{45861EEF-21E9-45D9-B30A-ABA1362F424E}"/>
+                </a:ext>
+              </a:extLst>
+            </p:cNvPr>
+            <p:cNvCxnSpPr>
+              <a:cxnSpLocks/>
+            </p:cNvCxnSpPr>
+            <p:nvPr/>
+          </p:nvCxnSpPr>
+          <p:spPr>
+            <a:xfrm>
+              <a:off x="1375746" y="4968682"/>
+              <a:ext cx="3801441" cy="0"/>
+            </a:xfrm>
+            <a:prstGeom prst="line">
+              <a:avLst/>
+            </a:prstGeom>
+            <a:ln w="38100"/>
+          </p:spPr>
+          <p:style>
+            <a:lnRef idx="1">
+              <a:schemeClr val="dk1"/>
+            </a:lnRef>
+            <a:fillRef idx="0">
+              <a:schemeClr val="dk1"/>
+            </a:fillRef>
+            <a:effectRef idx="0">
+              <a:schemeClr val="dk1"/>
+            </a:effectRef>
+            <a:fontRef idx="minor">
+              <a:schemeClr val="tx1"/>
+            </a:fontRef>
+          </p:style>
+        </p:cxnSp>
+        <mc:AlternateContent xmlns:mc="http://schemas.openxmlformats.org/markup-compatibility/2006">
+          <mc:Choice xmlns:a14="http://schemas.microsoft.com/office/drawing/2010/main" Requires="a14">
+            <p:sp>
+              <p:nvSpPr>
+                <p:cNvPr id="42" name="TextBox 41">
+                  <a:extLst>
+                    <a:ext uri="{FF2B5EF4-FFF2-40B4-BE49-F238E27FC236}">
+                      <a16:creationId xmlns:a16="http://schemas.microsoft.com/office/drawing/2014/main" id="{1588D357-E3C5-4245-9C37-A8A878CA6ABB}"/>
+                    </a:ext>
+                  </a:extLst>
+                </p:cNvPr>
+                <p:cNvSpPr txBox="1"/>
+                <p:nvPr/>
+              </p:nvSpPr>
+              <p:spPr>
+                <a:xfrm>
+                  <a:off x="1193881" y="4530731"/>
+                  <a:ext cx="460511" cy="369332"/>
+                </a:xfrm>
+                <a:prstGeom prst="rect">
+                  <a:avLst/>
+                </a:prstGeom>
+                <a:noFill/>
+              </p:spPr>
+              <p:txBody>
+                <a:bodyPr wrap="none" rtlCol="0">
+                  <a:spAutoFit/>
+                </a:bodyPr>
+                <a:lstStyle/>
+                <a:p>
+                  <a:pPr/>
+                  <a14:m>
+                    <m:oMathPara xmlns:m="http://schemas.openxmlformats.org/officeDocument/2006/math">
+                      <m:oMathParaPr>
+                        <m:jc m:val="centerGroup"/>
+                      </m:oMathParaPr>
+                      <m:oMath xmlns:m="http://schemas.openxmlformats.org/officeDocument/2006/math">
+                        <m:sSub>
+                          <m:sSubPr>
+                            <m:ctrlPr>
+                              <a:rPr lang="en-US" altLang="ko-KR" b="0" i="1" smtClean="0">
+                                <a:latin typeface="Cambria Math" panose="02040503050406030204" pitchFamily="18" charset="0"/>
+                              </a:rPr>
+                            </m:ctrlPr>
+                          </m:sSubPr>
+                          <m:e>
+                            <m:r>
+                              <a:rPr lang="en-US" altLang="ko-KR" b="0" i="1" smtClean="0">
+                                <a:latin typeface="Cambria Math" panose="02040503050406030204" pitchFamily="18" charset="0"/>
+                              </a:rPr>
+                              <m:t>𝑝</m:t>
+                            </m:r>
+                          </m:e>
+                          <m:sub>
+                            <m:r>
+                              <a:rPr lang="en-US" altLang="ko-KR" b="0" i="1" smtClean="0">
+                                <a:latin typeface="Cambria Math" panose="02040503050406030204" pitchFamily="18" charset="0"/>
+                              </a:rPr>
+                              <m:t>1</m:t>
+                            </m:r>
+                          </m:sub>
+                        </m:sSub>
+                      </m:oMath>
+                    </m:oMathPara>
+                  </a14:m>
+                  <a:endParaRPr lang="ko-KR" altLang="en-US" dirty="0"/>
+                </a:p>
+              </p:txBody>
+            </p:sp>
+          </mc:Choice>
+          <mc:Fallback>
+            <p:sp>
+              <p:nvSpPr>
+                <p:cNvPr id="42" name="TextBox 41">
+                  <a:extLst>
+                    <a:ext uri="{FF2B5EF4-FFF2-40B4-BE49-F238E27FC236}">
+                      <a16:creationId xmlns:a16="http://schemas.microsoft.com/office/drawing/2014/main" id="{1588D357-E3C5-4245-9C37-A8A878CA6ABB}"/>
+                    </a:ext>
+                  </a:extLst>
+                </p:cNvPr>
+                <p:cNvSpPr txBox="1">
+                  <a:spLocks noRot="1" noChangeAspect="1" noMove="1" noResize="1" noEditPoints="1" noAdjustHandles="1" noChangeArrowheads="1" noChangeShapeType="1" noTextEdit="1"/>
+                </p:cNvSpPr>
+                <p:nvPr/>
+              </p:nvSpPr>
+              <p:spPr>
+                <a:xfrm>
+                  <a:off x="1193881" y="4530731"/>
+                  <a:ext cx="460511" cy="369332"/>
+                </a:xfrm>
+                <a:prstGeom prst="rect">
+                  <a:avLst/>
+                </a:prstGeom>
+                <a:blipFill>
+                  <a:blip r:embed="rId18"/>
+                  <a:stretch>
+                    <a:fillRect b="-6557"/>
+                  </a:stretch>
+                </a:blipFill>
+              </p:spPr>
+              <p:txBody>
+                <a:bodyPr/>
+                <a:lstStyle/>
+                <a:p>
+                  <a:r>
+                    <a:rPr lang="ko-KR" altLang="en-US">
+                      <a:noFill/>
+                    </a:rPr>
+                    <a:t> </a:t>
+                  </a:r>
+                </a:p>
+              </p:txBody>
+            </p:sp>
+          </mc:Fallback>
+        </mc:AlternateContent>
+        <mc:AlternateContent xmlns:mc="http://schemas.openxmlformats.org/markup-compatibility/2006">
+          <mc:Choice xmlns:a14="http://schemas.microsoft.com/office/drawing/2010/main" Requires="a14">
+            <p:sp>
+              <p:nvSpPr>
+                <p:cNvPr id="43" name="TextBox 42">
+                  <a:extLst>
+                    <a:ext uri="{FF2B5EF4-FFF2-40B4-BE49-F238E27FC236}">
+                      <a16:creationId xmlns:a16="http://schemas.microsoft.com/office/drawing/2014/main" id="{9B071FF1-6616-45F0-AE48-989CF31583D9}"/>
+                    </a:ext>
+                  </a:extLst>
+                </p:cNvPr>
+                <p:cNvSpPr txBox="1"/>
+                <p:nvPr/>
+              </p:nvSpPr>
+              <p:spPr>
+                <a:xfrm>
+                  <a:off x="4944271" y="4530731"/>
+                  <a:ext cx="465832" cy="369332"/>
+                </a:xfrm>
+                <a:prstGeom prst="rect">
+                  <a:avLst/>
+                </a:prstGeom>
+                <a:noFill/>
+              </p:spPr>
+              <p:txBody>
+                <a:bodyPr wrap="none" rtlCol="0">
+                  <a:spAutoFit/>
+                </a:bodyPr>
+                <a:lstStyle/>
+                <a:p>
+                  <a:pPr/>
+                  <a14:m>
+                    <m:oMathPara xmlns:m="http://schemas.openxmlformats.org/officeDocument/2006/math">
+                      <m:oMathParaPr>
+                        <m:jc m:val="centerGroup"/>
+                      </m:oMathParaPr>
+                      <m:oMath xmlns:m="http://schemas.openxmlformats.org/officeDocument/2006/math">
+                        <m:sSub>
+                          <m:sSubPr>
+                            <m:ctrlPr>
+                              <a:rPr lang="en-US" altLang="ko-KR" b="0" i="1" smtClean="0">
+                                <a:latin typeface="Cambria Math" panose="02040503050406030204" pitchFamily="18" charset="0"/>
+                              </a:rPr>
+                            </m:ctrlPr>
+                          </m:sSubPr>
+                          <m:e>
+                            <m:r>
+                              <a:rPr lang="en-US" altLang="ko-KR" b="0" i="1" smtClean="0">
+                                <a:latin typeface="Cambria Math" panose="02040503050406030204" pitchFamily="18" charset="0"/>
+                              </a:rPr>
+                              <m:t>𝑝</m:t>
+                            </m:r>
+                          </m:e>
+                          <m:sub>
+                            <m:r>
+                              <a:rPr lang="en-US" altLang="ko-KR" b="0" i="1" smtClean="0">
+                                <a:latin typeface="Cambria Math" panose="02040503050406030204" pitchFamily="18" charset="0"/>
+                              </a:rPr>
+                              <m:t>2</m:t>
+                            </m:r>
+                          </m:sub>
+                        </m:sSub>
+                      </m:oMath>
+                    </m:oMathPara>
+                  </a14:m>
+                  <a:endParaRPr lang="ko-KR" altLang="en-US" dirty="0"/>
+                </a:p>
+              </p:txBody>
+            </p:sp>
+          </mc:Choice>
+          <mc:Fallback>
+            <p:sp>
+              <p:nvSpPr>
+                <p:cNvPr id="43" name="TextBox 42">
+                  <a:extLst>
+                    <a:ext uri="{FF2B5EF4-FFF2-40B4-BE49-F238E27FC236}">
+                      <a16:creationId xmlns:a16="http://schemas.microsoft.com/office/drawing/2014/main" id="{9B071FF1-6616-45F0-AE48-989CF31583D9}"/>
+                    </a:ext>
+                  </a:extLst>
+                </p:cNvPr>
+                <p:cNvSpPr txBox="1">
+                  <a:spLocks noRot="1" noChangeAspect="1" noMove="1" noResize="1" noEditPoints="1" noAdjustHandles="1" noChangeArrowheads="1" noChangeShapeType="1" noTextEdit="1"/>
+                </p:cNvSpPr>
+                <p:nvPr/>
+              </p:nvSpPr>
+              <p:spPr>
+                <a:xfrm>
+                  <a:off x="4944271" y="4530731"/>
+                  <a:ext cx="465832" cy="369332"/>
+                </a:xfrm>
+                <a:prstGeom prst="rect">
+                  <a:avLst/>
+                </a:prstGeom>
+                <a:blipFill>
+                  <a:blip r:embed="rId19"/>
+                  <a:stretch>
+                    <a:fillRect b="-6557"/>
+                  </a:stretch>
+                </a:blipFill>
+              </p:spPr>
+              <p:txBody>
+                <a:bodyPr/>
+                <a:lstStyle/>
+                <a:p>
+                  <a:r>
+                    <a:rPr lang="ko-KR" altLang="en-US">
+                      <a:noFill/>
+                    </a:rPr>
+                    <a:t> </a:t>
+                  </a:r>
+                </a:p>
+              </p:txBody>
+            </p:sp>
+          </mc:Fallback>
+        </mc:AlternateContent>
+        <p:cxnSp>
+          <p:nvCxnSpPr>
+            <p:cNvPr id="44" name="직선 연결선 43">
+              <a:extLst>
+                <a:ext uri="{FF2B5EF4-FFF2-40B4-BE49-F238E27FC236}">
+                  <a16:creationId xmlns:a16="http://schemas.microsoft.com/office/drawing/2014/main" id="{D812B393-3527-4F7A-9B18-643A60EB2350}"/>
+                </a:ext>
+              </a:extLst>
+            </p:cNvPr>
+            <p:cNvCxnSpPr>
+              <a:cxnSpLocks/>
+            </p:cNvCxnSpPr>
+            <p:nvPr/>
+          </p:nvCxnSpPr>
+          <p:spPr>
+            <a:xfrm>
+              <a:off x="2969004" y="5019016"/>
+              <a:ext cx="4074590" cy="0"/>
+            </a:xfrm>
+            <a:prstGeom prst="line">
+              <a:avLst/>
+            </a:prstGeom>
+            <a:ln w="38100"/>
+          </p:spPr>
+          <p:style>
+            <a:lnRef idx="1">
+              <a:schemeClr val="dk1"/>
+            </a:lnRef>
+            <a:fillRef idx="0">
+              <a:schemeClr val="dk1"/>
+            </a:fillRef>
+            <a:effectRef idx="0">
+              <a:schemeClr val="dk1"/>
+            </a:effectRef>
+            <a:fontRef idx="minor">
+              <a:schemeClr val="tx1"/>
+            </a:fontRef>
+          </p:style>
+        </p:cxnSp>
+        <mc:AlternateContent xmlns:mc="http://schemas.openxmlformats.org/markup-compatibility/2006">
+          <mc:Choice xmlns:a14="http://schemas.microsoft.com/office/drawing/2010/main" Requires="a14">
+            <p:sp>
+              <p:nvSpPr>
+                <p:cNvPr id="45" name="TextBox 44">
+                  <a:extLst>
+                    <a:ext uri="{FF2B5EF4-FFF2-40B4-BE49-F238E27FC236}">
+                      <a16:creationId xmlns:a16="http://schemas.microsoft.com/office/drawing/2014/main" id="{E4E42A6E-AF55-4B8A-9F47-7367CBF8940C}"/>
+                    </a:ext>
+                  </a:extLst>
+                </p:cNvPr>
+                <p:cNvSpPr txBox="1"/>
+                <p:nvPr/>
+              </p:nvSpPr>
+              <p:spPr>
+                <a:xfrm>
+                  <a:off x="2792419" y="4530731"/>
+                  <a:ext cx="465832" cy="369332"/>
+                </a:xfrm>
+                <a:prstGeom prst="rect">
+                  <a:avLst/>
+                </a:prstGeom>
+                <a:noFill/>
+              </p:spPr>
+              <p:txBody>
+                <a:bodyPr wrap="none" rtlCol="0">
+                  <a:spAutoFit/>
+                </a:bodyPr>
+                <a:lstStyle/>
+                <a:p>
+                  <a:pPr/>
+                  <a14:m>
+                    <m:oMathPara xmlns:m="http://schemas.openxmlformats.org/officeDocument/2006/math">
+                      <m:oMathParaPr>
+                        <m:jc m:val="centerGroup"/>
+                      </m:oMathParaPr>
+                      <m:oMath xmlns:m="http://schemas.openxmlformats.org/officeDocument/2006/math">
+                        <m:sSub>
+                          <m:sSubPr>
+                            <m:ctrlPr>
+                              <a:rPr lang="en-US" altLang="ko-KR" b="0" i="1" smtClean="0">
+                                <a:latin typeface="Cambria Math" panose="02040503050406030204" pitchFamily="18" charset="0"/>
+                              </a:rPr>
+                            </m:ctrlPr>
+                          </m:sSubPr>
+                          <m:e>
+                            <m:r>
+                              <a:rPr lang="en-US" altLang="ko-KR" b="0" i="1" smtClean="0">
+                                <a:latin typeface="Cambria Math" panose="02040503050406030204" pitchFamily="18" charset="0"/>
+                              </a:rPr>
+                              <m:t>𝑝</m:t>
+                            </m:r>
+                          </m:e>
+                          <m:sub>
+                            <m:r>
+                              <a:rPr lang="en-US" altLang="ko-KR" b="0" i="1" smtClean="0">
+                                <a:latin typeface="Cambria Math" panose="02040503050406030204" pitchFamily="18" charset="0"/>
+                              </a:rPr>
+                              <m:t>3</m:t>
+                            </m:r>
+                          </m:sub>
+                        </m:sSub>
+                      </m:oMath>
+                    </m:oMathPara>
+                  </a14:m>
+                  <a:endParaRPr lang="ko-KR" altLang="en-US" dirty="0"/>
+                </a:p>
+              </p:txBody>
+            </p:sp>
+          </mc:Choice>
+          <mc:Fallback>
+            <p:sp>
+              <p:nvSpPr>
+                <p:cNvPr id="45" name="TextBox 44">
+                  <a:extLst>
+                    <a:ext uri="{FF2B5EF4-FFF2-40B4-BE49-F238E27FC236}">
+                      <a16:creationId xmlns:a16="http://schemas.microsoft.com/office/drawing/2014/main" id="{E4E42A6E-AF55-4B8A-9F47-7367CBF8940C}"/>
+                    </a:ext>
+                  </a:extLst>
+                </p:cNvPr>
+                <p:cNvSpPr txBox="1">
+                  <a:spLocks noRot="1" noChangeAspect="1" noMove="1" noResize="1" noEditPoints="1" noAdjustHandles="1" noChangeArrowheads="1" noChangeShapeType="1" noTextEdit="1"/>
+                </p:cNvSpPr>
+                <p:nvPr/>
+              </p:nvSpPr>
+              <p:spPr>
+                <a:xfrm>
+                  <a:off x="2792419" y="4530731"/>
+                  <a:ext cx="465832" cy="369332"/>
+                </a:xfrm>
+                <a:prstGeom prst="rect">
+                  <a:avLst/>
+                </a:prstGeom>
+                <a:blipFill>
+                  <a:blip r:embed="rId20"/>
+                  <a:stretch>
+                    <a:fillRect b="-6557"/>
+                  </a:stretch>
+                </a:blipFill>
+              </p:spPr>
+              <p:txBody>
+                <a:bodyPr/>
+                <a:lstStyle/>
+                <a:p>
+                  <a:r>
+                    <a:rPr lang="ko-KR" altLang="en-US">
+                      <a:noFill/>
+                    </a:rPr>
+                    <a:t> </a:t>
+                  </a:r>
+                </a:p>
+              </p:txBody>
+            </p:sp>
+          </mc:Fallback>
+        </mc:AlternateContent>
+        <mc:AlternateContent xmlns:mc="http://schemas.openxmlformats.org/markup-compatibility/2006">
+          <mc:Choice xmlns:a14="http://schemas.microsoft.com/office/drawing/2010/main" Requires="a14">
+            <p:sp>
+              <p:nvSpPr>
+                <p:cNvPr id="46" name="TextBox 45">
+                  <a:extLst>
+                    <a:ext uri="{FF2B5EF4-FFF2-40B4-BE49-F238E27FC236}">
+                      <a16:creationId xmlns:a16="http://schemas.microsoft.com/office/drawing/2014/main" id="{7C1F58C3-CAB3-44B2-82E4-E76DD17744F3}"/>
+                    </a:ext>
+                  </a:extLst>
+                </p:cNvPr>
+                <p:cNvSpPr txBox="1"/>
+                <p:nvPr/>
+              </p:nvSpPr>
+              <p:spPr>
+                <a:xfrm>
+                  <a:off x="6747564" y="4530731"/>
+                  <a:ext cx="464101" cy="369332"/>
+                </a:xfrm>
+                <a:prstGeom prst="rect">
+                  <a:avLst/>
+                </a:prstGeom>
+                <a:noFill/>
+              </p:spPr>
+              <p:txBody>
+                <a:bodyPr wrap="none" rtlCol="0">
+                  <a:spAutoFit/>
+                </a:bodyPr>
+                <a:lstStyle/>
+                <a:p>
+                  <a:pPr/>
+                  <a14:m>
+                    <m:oMathPara xmlns:m="http://schemas.openxmlformats.org/officeDocument/2006/math">
+                      <m:oMathParaPr>
+                        <m:jc m:val="centerGroup"/>
+                      </m:oMathParaPr>
+                      <m:oMath xmlns:m="http://schemas.openxmlformats.org/officeDocument/2006/math">
+                        <m:sSub>
+                          <m:sSubPr>
+                            <m:ctrlPr>
+                              <a:rPr lang="en-US" altLang="ko-KR" b="0" i="1" smtClean="0">
+                                <a:latin typeface="Cambria Math" panose="02040503050406030204" pitchFamily="18" charset="0"/>
+                              </a:rPr>
+                            </m:ctrlPr>
+                          </m:sSubPr>
+                          <m:e>
+                            <m:r>
+                              <a:rPr lang="en-US" altLang="ko-KR" b="0" i="1" smtClean="0">
+                                <a:latin typeface="Cambria Math" panose="02040503050406030204" pitchFamily="18" charset="0"/>
+                              </a:rPr>
+                              <m:t>𝑝</m:t>
+                            </m:r>
+                          </m:e>
+                          <m:sub>
+                            <m:r>
+                              <a:rPr lang="en-US" altLang="ko-KR" b="0" i="1" smtClean="0">
+                                <a:latin typeface="Cambria Math" panose="02040503050406030204" pitchFamily="18" charset="0"/>
+                              </a:rPr>
+                              <m:t>4</m:t>
+                            </m:r>
+                          </m:sub>
+                        </m:sSub>
+                      </m:oMath>
+                    </m:oMathPara>
+                  </a14:m>
+                  <a:endParaRPr lang="ko-KR" altLang="en-US" dirty="0"/>
+                </a:p>
+              </p:txBody>
+            </p:sp>
+          </mc:Choice>
+          <mc:Fallback>
+            <p:sp>
+              <p:nvSpPr>
+                <p:cNvPr id="46" name="TextBox 45">
+                  <a:extLst>
+                    <a:ext uri="{FF2B5EF4-FFF2-40B4-BE49-F238E27FC236}">
+                      <a16:creationId xmlns:a16="http://schemas.microsoft.com/office/drawing/2014/main" id="{7C1F58C3-CAB3-44B2-82E4-E76DD17744F3}"/>
+                    </a:ext>
+                  </a:extLst>
+                </p:cNvPr>
+                <p:cNvSpPr txBox="1">
+                  <a:spLocks noRot="1" noChangeAspect="1" noMove="1" noResize="1" noEditPoints="1" noAdjustHandles="1" noChangeArrowheads="1" noChangeShapeType="1" noTextEdit="1"/>
+                </p:cNvSpPr>
+                <p:nvPr/>
+              </p:nvSpPr>
+              <p:spPr>
+                <a:xfrm>
+                  <a:off x="6747564" y="4530731"/>
+                  <a:ext cx="464101" cy="369332"/>
+                </a:xfrm>
+                <a:prstGeom prst="rect">
+                  <a:avLst/>
+                </a:prstGeom>
+                <a:blipFill>
+                  <a:blip r:embed="rId21"/>
+                  <a:stretch>
+                    <a:fillRect b="-6557"/>
+                  </a:stretch>
+                </a:blipFill>
+              </p:spPr>
+              <p:txBody>
+                <a:bodyPr/>
+                <a:lstStyle/>
+                <a:p>
+                  <a:r>
+                    <a:rPr lang="ko-KR" altLang="en-US">
+                      <a:noFill/>
+                    </a:rPr>
+                    <a:t> </a:t>
+                  </a:r>
+                </a:p>
+              </p:txBody>
+            </p:sp>
+          </mc:Fallback>
+        </mc:AlternateContent>
       </p:grpSp>
     </p:spTree>
     <p:extLst>
